--- a/appendix/LPT_Presentation.pptx
+++ b/appendix/LPT_Presentation.pptx
@@ -131,7 +131,7 @@
 <file path=ppt/revisionInfo.xml><?xml version="1.0" encoding="utf-8"?>
 <p1510:revInfo xmlns:a="http://schemas.openxmlformats.org/drawingml/2006/main" xmlns:r="http://schemas.openxmlformats.org/officeDocument/2006/relationships" xmlns:p1510="http://schemas.microsoft.com/office/powerpoint/2015/10/main">
   <p1510:revLst>
-    <p1510:client id="{7ABDA9C9-FACE-4AE5-A5B5-D6A53703CC75}" v="25" dt="2021-03-08T14:47:29.020"/>
+    <p1510:client id="{7ABDA9C9-FACE-4AE5-A5B5-D6A53703CC75}" v="26" dt="2021-03-08T14:56:36.552"/>
   </p1510:revLst>
 </p1510:revInfo>
 </file>
@@ -141,7 +141,7 @@
   <pc:docChgLst>
     <pc:chgData name="רועי" userId="23b863493f307953" providerId="LiveId" clId="{7ABDA9C9-FACE-4AE5-A5B5-D6A53703CC75}"/>
     <pc:docChg chg="undo custSel delSld modSld sldOrd">
-      <pc:chgData name="רועי" userId="23b863493f307953" providerId="LiveId" clId="{7ABDA9C9-FACE-4AE5-A5B5-D6A53703CC75}" dt="2021-03-08T14:49:18.753" v="167" actId="20577"/>
+      <pc:chgData name="רועי" userId="23b863493f307953" providerId="LiveId" clId="{7ABDA9C9-FACE-4AE5-A5B5-D6A53703CC75}" dt="2021-03-09T16:51:54.533" v="218"/>
       <pc:docMkLst>
         <pc:docMk/>
       </pc:docMkLst>
@@ -153,13 +153,13 @@
         </pc:sldMkLst>
       </pc:sldChg>
       <pc:sldChg chg="modSp ord">
-        <pc:chgData name="רועי" userId="23b863493f307953" providerId="LiveId" clId="{7ABDA9C9-FACE-4AE5-A5B5-D6A53703CC75}" dt="2021-03-08T14:47:25.773" v="103"/>
+        <pc:chgData name="רועי" userId="23b863493f307953" providerId="LiveId" clId="{7ABDA9C9-FACE-4AE5-A5B5-D6A53703CC75}" dt="2021-03-08T14:56:36.551" v="212"/>
         <pc:sldMkLst>
           <pc:docMk/>
           <pc:sldMk cId="1401741552" sldId="277"/>
         </pc:sldMkLst>
         <pc:graphicFrameChg chg="mod">
-          <ac:chgData name="רועי" userId="23b863493f307953" providerId="LiveId" clId="{7ABDA9C9-FACE-4AE5-A5B5-D6A53703CC75}" dt="2021-03-08T14:47:25.773" v="103"/>
+          <ac:chgData name="רועי" userId="23b863493f307953" providerId="LiveId" clId="{7ABDA9C9-FACE-4AE5-A5B5-D6A53703CC75}" dt="2021-03-08T14:56:36.551" v="212"/>
           <ac:graphicFrameMkLst>
             <pc:docMk/>
             <pc:sldMk cId="1401741552" sldId="277"/>
@@ -183,13 +183,13 @@
         </pc:picChg>
       </pc:sldChg>
       <pc:sldChg chg="modSp mod">
-        <pc:chgData name="רועי" userId="23b863493f307953" providerId="LiveId" clId="{7ABDA9C9-FACE-4AE5-A5B5-D6A53703CC75}" dt="2021-03-08T14:44:05.330" v="83" actId="20577"/>
+        <pc:chgData name="רועי" userId="23b863493f307953" providerId="LiveId" clId="{7ABDA9C9-FACE-4AE5-A5B5-D6A53703CC75}" dt="2021-03-08T14:57:09.799" v="216" actId="1076"/>
         <pc:sldMkLst>
           <pc:docMk/>
           <pc:sldMk cId="3528940981" sldId="279"/>
         </pc:sldMkLst>
         <pc:spChg chg="mod">
-          <ac:chgData name="רועי" userId="23b863493f307953" providerId="LiveId" clId="{7ABDA9C9-FACE-4AE5-A5B5-D6A53703CC75}" dt="2021-03-08T14:43:39.902" v="80" actId="404"/>
+          <ac:chgData name="רועי" userId="23b863493f307953" providerId="LiveId" clId="{7ABDA9C9-FACE-4AE5-A5B5-D6A53703CC75}" dt="2021-03-08T14:57:03.360" v="215" actId="14100"/>
           <ac:spMkLst>
             <pc:docMk/>
             <pc:sldMk cId="3528940981" sldId="279"/>
@@ -197,7 +197,7 @@
           </ac:spMkLst>
         </pc:spChg>
         <pc:spChg chg="mod">
-          <ac:chgData name="רועי" userId="23b863493f307953" providerId="LiveId" clId="{7ABDA9C9-FACE-4AE5-A5B5-D6A53703CC75}" dt="2021-03-08T14:44:05.330" v="83" actId="20577"/>
+          <ac:chgData name="רועי" userId="23b863493f307953" providerId="LiveId" clId="{7ABDA9C9-FACE-4AE5-A5B5-D6A53703CC75}" dt="2021-03-08T14:56:55.825" v="213" actId="14100"/>
           <ac:spMkLst>
             <pc:docMk/>
             <pc:sldMk cId="3528940981" sldId="279"/>
@@ -205,7 +205,7 @@
           </ac:spMkLst>
         </pc:spChg>
         <pc:spChg chg="mod">
-          <ac:chgData name="רועי" userId="23b863493f307953" providerId="LiveId" clId="{7ABDA9C9-FACE-4AE5-A5B5-D6A53703CC75}" dt="2021-03-08T14:43:52.958" v="81" actId="2711"/>
+          <ac:chgData name="רועי" userId="23b863493f307953" providerId="LiveId" clId="{7ABDA9C9-FACE-4AE5-A5B5-D6A53703CC75}" dt="2021-03-08T14:57:09.799" v="216" actId="1076"/>
           <ac:spMkLst>
             <pc:docMk/>
             <pc:sldMk cId="3528940981" sldId="279"/>
@@ -229,13 +229,13 @@
         </pc:picChg>
       </pc:sldChg>
       <pc:sldChg chg="modSp mod">
-        <pc:chgData name="רועי" userId="23b863493f307953" providerId="LiveId" clId="{7ABDA9C9-FACE-4AE5-A5B5-D6A53703CC75}" dt="2021-03-08T14:45:51.288" v="98" actId="403"/>
+        <pc:chgData name="רועי" userId="23b863493f307953" providerId="LiveId" clId="{7ABDA9C9-FACE-4AE5-A5B5-D6A53703CC75}" dt="2021-03-08T14:54:15.300" v="211" actId="20577"/>
         <pc:sldMkLst>
           <pc:docMk/>
           <pc:sldMk cId="848458824" sldId="281"/>
         </pc:sldMkLst>
         <pc:spChg chg="mod">
-          <ac:chgData name="רועי" userId="23b863493f307953" providerId="LiveId" clId="{7ABDA9C9-FACE-4AE5-A5B5-D6A53703CC75}" dt="2021-03-08T14:45:51.288" v="98" actId="403"/>
+          <ac:chgData name="רועי" userId="23b863493f307953" providerId="LiveId" clId="{7ABDA9C9-FACE-4AE5-A5B5-D6A53703CC75}" dt="2021-03-08T14:54:15.300" v="211" actId="20577"/>
           <ac:spMkLst>
             <pc:docMk/>
             <pc:sldMk cId="848458824" sldId="281"/>
@@ -258,8 +258,8 @@
           </ac:spMkLst>
         </pc:spChg>
       </pc:sldChg>
-      <pc:sldChg chg="modSp mod">
-        <pc:chgData name="רועי" userId="23b863493f307953" providerId="LiveId" clId="{7ABDA9C9-FACE-4AE5-A5B5-D6A53703CC75}" dt="2021-03-08T14:49:18.753" v="167" actId="20577"/>
+      <pc:sldChg chg="modSp mod ord">
+        <pc:chgData name="רועי" userId="23b863493f307953" providerId="LiveId" clId="{7ABDA9C9-FACE-4AE5-A5B5-D6A53703CC75}" dt="2021-03-09T16:51:54.533" v="218"/>
         <pc:sldMkLst>
           <pc:docMk/>
           <pc:sldMk cId="2772874665" sldId="283"/>
@@ -1337,7 +1337,7 @@
       </dgm:spPr>
       <dgm:extLst>
         <a:ext uri="{E40237B7-FDA0-4F09-8148-C483321AD2D9}">
-          <dgm14:cNvPr xmlns:dgm14="http://schemas.microsoft.com/office/drawing/2010/diagram" id="0" name="" descr="Presentation with bar chart"/>
+          <dgm14:cNvPr xmlns:dgm14="http://schemas.microsoft.com/office/drawing/2010/diagram" id="0" name="" descr="לוח עם פריטים מסומנים ב- v עם מילוי מלא"/>
         </a:ext>
       </dgm:extLst>
     </dgm:pt>
@@ -3249,7 +3249,7 @@
                 <a:ea typeface="Tahoma" panose="020B0604030504040204" pitchFamily="34" charset="0"/>
                 <a:cs typeface="Tahoma" panose="020B0604030504040204" pitchFamily="34" charset="0"/>
               </a:rPr>
-              <a:t>כ"ד/אדר/תשפ"א</a:t>
+              <a:t>כ"ה/אדר/תשפ"א</a:t>
             </a:fld>
             <a:endParaRPr lang="he-IL">
               <a:latin typeface="Tahoma" panose="020B0604030504040204" pitchFamily="34" charset="0"/>
@@ -3443,7 +3443,7 @@
             <a:fld id="{B04DC207-6933-4158-AE0F-AEC727BFF656}" type="datetime1">
               <a:rPr lang="he-IL" smtClean="0"/>
               <a:pPr/>
-              <a:t>כ"ד/אדר/תשפ"א</a:t>
+              <a:t>כ"ה/אדר/תשפ"א</a:t>
             </a:fld>
             <a:endParaRPr lang="he-IL" dirty="0"/>
           </a:p>
@@ -4151,7 +4151,7 @@
           <a:p>
             <a:fld id="{041B3943-1EAC-49AD-9FE1-0C76E29DC148}" type="datetime1">
               <a:rPr lang="he-IL" noProof="0" smtClean="0"/>
-              <a:t>כ"ד/אדר/תשפ"א</a:t>
+              <a:t>כ"ה/אדר/תשפ"א</a:t>
             </a:fld>
             <a:endParaRPr lang="he-IL" noProof="0"/>
           </a:p>
@@ -4476,7 +4476,7 @@
           <a:p>
             <a:fld id="{E990EB88-C329-494B-8B0B-4F4C516259E7}" type="datetime1">
               <a:rPr lang="he-IL" noProof="0" smtClean="0"/>
-              <a:t>כ"ד/אדר/תשפ"א</a:t>
+              <a:t>כ"ה/אדר/תשפ"א</a:t>
             </a:fld>
             <a:endParaRPr lang="he-IL" noProof="0"/>
           </a:p>
@@ -4726,7 +4726,7 @@
           <a:p>
             <a:fld id="{E990EB88-C329-494B-8B0B-4F4C516259E7}" type="datetime1">
               <a:rPr lang="he-IL" noProof="0" smtClean="0"/>
-              <a:t>כ"ד/אדר/תשפ"א</a:t>
+              <a:t>כ"ה/אדר/תשפ"א</a:t>
             </a:fld>
             <a:endParaRPr lang="he-IL" noProof="0"/>
           </a:p>
@@ -5067,7 +5067,7 @@
           <a:p>
             <a:fld id="{E990EB88-C329-494B-8B0B-4F4C516259E7}" type="datetime1">
               <a:rPr lang="he-IL" noProof="0" smtClean="0"/>
-              <a:t>כ"ד/אדר/תשפ"א</a:t>
+              <a:t>כ"ה/אדר/תשפ"א</a:t>
             </a:fld>
             <a:endParaRPr lang="he-IL" noProof="0"/>
           </a:p>
@@ -5416,7 +5416,7 @@
           <a:p>
             <a:fld id="{E990EB88-C329-494B-8B0B-4F4C516259E7}" type="datetime1">
               <a:rPr lang="he-IL" noProof="0" smtClean="0"/>
-              <a:t>כ"ד/אדר/תשפ"א</a:t>
+              <a:t>כ"ה/אדר/תשפ"א</a:t>
             </a:fld>
             <a:endParaRPr lang="he-IL" noProof="0"/>
           </a:p>
@@ -5792,7 +5792,7 @@
           <a:p>
             <a:fld id="{E990EB88-C329-494B-8B0B-4F4C516259E7}" type="datetime1">
               <a:rPr lang="he-IL" noProof="0" smtClean="0"/>
-              <a:t>כ"ד/אדר/תשפ"א</a:t>
+              <a:t>כ"ה/אדר/תשפ"א</a:t>
             </a:fld>
             <a:endParaRPr lang="he-IL" noProof="0"/>
           </a:p>
@@ -6264,7 +6264,7 @@
           <a:p>
             <a:fld id="{E990EB88-C329-494B-8B0B-4F4C516259E7}" type="datetime1">
               <a:rPr lang="he-IL" noProof="0" smtClean="0"/>
-              <a:t>כ"ד/אדר/תשפ"א</a:t>
+              <a:t>כ"ה/אדר/תשפ"א</a:t>
             </a:fld>
             <a:endParaRPr lang="he-IL" noProof="0"/>
           </a:p>
@@ -6472,7 +6472,7 @@
             <a:pPr rtl="1"/>
             <a:fld id="{C632068F-DDDE-46BE-AD92-706072D2095F}" type="datetime1">
               <a:rPr lang="he-IL" noProof="0" smtClean="0"/>
-              <a:t>כ"ד/אדר/תשפ"א</a:t>
+              <a:t>כ"ה/אדר/תשפ"א</a:t>
             </a:fld>
             <a:endParaRPr lang="he-IL" noProof="0"/>
           </a:p>
@@ -6686,7 +6686,7 @@
             <a:pPr rtl="1"/>
             <a:fld id="{F938A22A-D034-43EB-B8A3-EB25E2072578}" type="datetime1">
               <a:rPr lang="he-IL" noProof="0" smtClean="0"/>
-              <a:t>כ"ד/אדר/תשפ"א</a:t>
+              <a:t>כ"ה/אדר/תשפ"א</a:t>
             </a:fld>
             <a:endParaRPr lang="he-IL" noProof="0"/>
           </a:p>
@@ -7213,7 +7213,7 @@
           <a:p>
             <a:fld id="{F53E1731-6014-4518-91DF-DD2EA33DFCFE}" type="datetime1">
               <a:rPr lang="he-IL" noProof="0" smtClean="0"/>
-              <a:t>כ"ד/אדר/תשפ"א</a:t>
+              <a:t>כ"ה/אדר/תשפ"א</a:t>
             </a:fld>
             <a:endParaRPr lang="he-IL" noProof="0"/>
           </a:p>
@@ -7437,7 +7437,7 @@
             <a:pPr rtl="1"/>
             <a:fld id="{C6B02332-4215-4042-BCB8-40382AA98902}" type="datetime1">
               <a:rPr lang="he-IL" noProof="0" smtClean="0"/>
-              <a:t>כ"ד/אדר/תשפ"א</a:t>
+              <a:t>כ"ה/אדר/תשפ"א</a:t>
             </a:fld>
             <a:endParaRPr lang="he-IL" noProof="0"/>
           </a:p>
@@ -7687,7 +7687,7 @@
           <a:p>
             <a:fld id="{E9015FE9-9749-41BD-814D-7047DF7BC716}" type="datetime1">
               <a:rPr lang="he-IL" noProof="0" smtClean="0"/>
-              <a:t>כ"ד/אדר/תשפ"א</a:t>
+              <a:t>כ"ה/אדר/תשפ"א</a:t>
             </a:fld>
             <a:endParaRPr lang="he-IL" noProof="0"/>
           </a:p>
@@ -7987,7 +7987,7 @@
             <a:pPr rtl="1"/>
             <a:fld id="{0E14D94A-A912-459F-BAC7-1B46B2FDA989}" type="datetime1">
               <a:rPr lang="he-IL" noProof="0" smtClean="0"/>
-              <a:t>כ"ד/אדר/תשפ"א</a:t>
+              <a:t>כ"ה/אדר/תשפ"א</a:t>
             </a:fld>
             <a:endParaRPr lang="he-IL" noProof="0"/>
           </a:p>
@@ -8383,7 +8383,7 @@
           <a:p>
             <a:fld id="{E990EB88-C329-494B-8B0B-4F4C516259E7}" type="datetime1">
               <a:rPr lang="he-IL" noProof="0" smtClean="0"/>
-              <a:t>כ"ד/אדר/תשפ"א</a:t>
+              <a:t>כ"ה/אדר/תשפ"א</a:t>
             </a:fld>
             <a:endParaRPr lang="he-IL" noProof="0"/>
           </a:p>
@@ -8535,7 +8535,7 @@
             <a:pPr rtl="1"/>
             <a:fld id="{81E4626A-FCFF-4681-A933-9F4B0F4CF0BF}" type="datetime1">
               <a:rPr lang="he-IL" noProof="0" smtClean="0"/>
-              <a:t>כ"ד/אדר/תשפ"א</a:t>
+              <a:t>כ"ה/אדר/תשפ"א</a:t>
             </a:fld>
             <a:endParaRPr lang="he-IL" noProof="0"/>
           </a:p>
@@ -8664,7 +8664,7 @@
             <a:pPr rtl="1"/>
             <a:fld id="{2EAB6B8B-883E-424E-ADFA-26E073480727}" type="datetime1">
               <a:rPr lang="he-IL" noProof="0" smtClean="0"/>
-              <a:t>כ"ד/אדר/תשפ"א</a:t>
+              <a:t>כ"ה/אדר/תשפ"א</a:t>
             </a:fld>
             <a:endParaRPr lang="he-IL" noProof="0"/>
           </a:p>
@@ -8922,7 +8922,7 @@
             <a:pPr rtl="1"/>
             <a:fld id="{C9FEC221-D197-4F57-926A-4CDBB4BF5AD7}" type="datetime1">
               <a:rPr lang="he-IL" noProof="0" smtClean="0"/>
-              <a:t>כ"ד/אדר/תשפ"א</a:t>
+              <a:t>כ"ה/אדר/תשפ"א</a:t>
             </a:fld>
             <a:endParaRPr lang="he-IL" noProof="0"/>
           </a:p>
@@ -9240,7 +9240,7 @@
             <a:pPr rtl="1"/>
             <a:fld id="{D00436D3-41D8-4B1B-9EF5-7B0E471CF269}" type="datetime1">
               <a:rPr lang="he-IL" noProof="0" smtClean="0"/>
-              <a:t>כ"ד/אדר/תשפ"א</a:t>
+              <a:t>כ"ה/אדר/תשפ"א</a:t>
             </a:fld>
             <a:endParaRPr lang="he-IL" noProof="0"/>
           </a:p>
@@ -9593,7 +9593,7 @@
           <a:p>
             <a:fld id="{E990EB88-C329-494B-8B0B-4F4C516259E7}" type="datetime1">
               <a:rPr lang="he-IL" noProof="0" smtClean="0"/>
-              <a:t>כ"ד/אדר/תשפ"א</a:t>
+              <a:t>כ"ה/אדר/תשפ"א</a:t>
             </a:fld>
             <a:endParaRPr lang="he-IL" noProof="0"/>
           </a:p>
@@ -10371,7 +10371,7 @@
             <p:ph idx="1"/>
             <p:extLst>
               <p:ext uri="{D42A27DB-BD31-4B8C-83A1-F6EECF244321}">
-                <p14:modId xmlns:p14="http://schemas.microsoft.com/office/powerpoint/2010/main" val="3709504743"/>
+                <p14:modId xmlns:p14="http://schemas.microsoft.com/office/powerpoint/2010/main" val="2586749657"/>
               </p:ext>
             </p:extLst>
           </p:nvPr>
@@ -10493,8 +10493,8 @@
         </p:nvSpPr>
         <p:spPr>
           <a:xfrm>
-            <a:off x="1866901" y="2536789"/>
-            <a:ext cx="3097674" cy="2822611"/>
+            <a:off x="1866901" y="2556930"/>
+            <a:ext cx="3097674" cy="2110321"/>
           </a:xfrm>
           <a:prstGeom prst="ellipse">
             <a:avLst/>
@@ -10584,8 +10584,8 @@
         </p:nvSpPr>
         <p:spPr>
           <a:xfrm>
-            <a:off x="7227426" y="2556932"/>
-            <a:ext cx="3097674" cy="2822611"/>
+            <a:off x="7227426" y="2556933"/>
+            <a:ext cx="3097674" cy="2110318"/>
           </a:xfrm>
           <a:prstGeom prst="ellipse">
             <a:avLst/>
@@ -10678,7 +10678,7 @@
         </p:nvSpPr>
         <p:spPr>
           <a:xfrm>
-            <a:off x="5410762" y="3429000"/>
+            <a:off x="5410762" y="3104258"/>
             <a:ext cx="1370474" cy="1015663"/>
           </a:xfrm>
           <a:prstGeom prst="rect">
@@ -10970,12 +10970,14 @@
             <a:pPr algn="r" rtl="1"/>
             <a:r>
               <a:rPr lang="en-US" sz="2800" dirty="0">
-                <a:cs typeface="+mj-cs"/>
+                <a:latin typeface="Arial" panose="020B0604020202020204" pitchFamily="34" charset="0"/>
+                <a:cs typeface="Arial" panose="020B0604020202020204" pitchFamily="34" charset="0"/>
               </a:rPr>
-              <a:t>C# WPF - Visual Studio</a:t>
+              <a:t>C# WPF – Visual Studio</a:t>
             </a:r>
             <a:endParaRPr lang="he-IL" sz="2800" dirty="0">
-              <a:cs typeface="+mj-cs"/>
+              <a:latin typeface="Arial" panose="020B0604020202020204" pitchFamily="34" charset="0"/>
+              <a:cs typeface="Arial" panose="020B0604020202020204" pitchFamily="34" charset="0"/>
             </a:endParaRPr>
           </a:p>
           <a:p>
@@ -12025,6 +12027,15 @@
 </file>
 
 <file path=customXml/item1.xml><?xml version="1.0" encoding="utf-8"?>
+<?mso-contentType ?>
+<FormTemplates xmlns="http://schemas.microsoft.com/sharepoint/v3/contenttype/forms">
+  <Display>DocumentLibraryForm</Display>
+  <Edit>DocumentLibraryForm</Edit>
+  <New>DocumentLibraryForm</New>
+</FormTemplates>
+</file>
+
+<file path=customXml/item2.xml><?xml version="1.0" encoding="utf-8"?>
 <p:properties xmlns:p="http://schemas.microsoft.com/office/2006/metadata/properties" xmlns:xsi="http://www.w3.org/2001/XMLSchema-instance" xmlns:pc="http://schemas.microsoft.com/office/infopath/2007/PartnerControls">
   <documentManagement>
     <MediaServiceKeyPoints xmlns="71af3243-3dd4-4a8d-8c0d-dd76da1f02a5" xsi:nil="true"/>
@@ -12032,7 +12043,7 @@
 </p:properties>
 </file>
 
-<file path=customXml/item2.xml><?xml version="1.0" encoding="utf-8"?>
+<file path=customXml/item3.xml><?xml version="1.0" encoding="utf-8"?>
 <ct:contentTypeSchema xmlns:ct="http://schemas.microsoft.com/office/2006/metadata/contentType" xmlns:ma="http://schemas.microsoft.com/office/2006/metadata/properties/metaAttributes" ct:_="" ma:_="" ma:contentTypeName="Document" ma:contentTypeID="0x01010079F111ED35F8CC479449609E8A0923A6" ma:contentTypeVersion="11" ma:contentTypeDescription="Create a new document." ma:contentTypeScope="" ma:versionID="9677210f24a1be23c92c90fd886aa0aa">
   <xsd:schema xmlns:xsd="http://www.w3.org/2001/XMLSchema" xmlns:xs="http://www.w3.org/2001/XMLSchema" xmlns:p="http://schemas.microsoft.com/office/2006/metadata/properties" xmlns:ns2="71af3243-3dd4-4a8d-8c0d-dd76da1f02a5" xmlns:ns3="16c05727-aa75-4e4a-9b5f-8a80a1165891" targetNamespace="http://schemas.microsoft.com/office/2006/metadata/properties" ma:root="true" ma:fieldsID="60e05723c5c1908df1a1a4ebf11d344e" ns2:_="" ns3:_="">
     <xsd:import namespace="71af3243-3dd4-4a8d-8c0d-dd76da1f02a5"/>
@@ -12243,16 +12254,15 @@
 </ct:contentTypeSchema>
 </file>
 
-<file path=customXml/item3.xml><?xml version="1.0" encoding="utf-8"?>
-<?mso-contentType ?>
-<FormTemplates xmlns="http://schemas.microsoft.com/sharepoint/v3/contenttype/forms">
-  <Display>DocumentLibraryForm</Display>
-  <Edit>DocumentLibraryForm</Edit>
-  <New>DocumentLibraryForm</New>
-</FormTemplates>
+<file path=customXml/itemProps1.xml><?xml version="1.0" encoding="utf-8"?>
+<ds:datastoreItem xmlns:ds="http://schemas.openxmlformats.org/officeDocument/2006/customXml" ds:itemID="{4F44C90D-2A62-4985-9618-3460247437B1}">
+  <ds:schemaRefs>
+    <ds:schemaRef ds:uri="http://schemas.microsoft.com/sharepoint/v3/contenttype/forms"/>
+  </ds:schemaRefs>
+</ds:datastoreItem>
 </file>
 
-<file path=customXml/itemProps1.xml><?xml version="1.0" encoding="utf-8"?>
+<file path=customXml/itemProps2.xml><?xml version="1.0" encoding="utf-8"?>
 <ds:datastoreItem xmlns:ds="http://schemas.openxmlformats.org/officeDocument/2006/customXml" ds:itemID="{788A2F88-55C5-4ED1-9541-807C65424763}">
   <ds:schemaRefs>
     <ds:schemaRef ds:uri="http://schemas.microsoft.com/office/2006/metadata/properties"/>
@@ -12262,7 +12272,7 @@
 </ds:datastoreItem>
 </file>
 
-<file path=customXml/itemProps2.xml><?xml version="1.0" encoding="utf-8"?>
+<file path=customXml/itemProps3.xml><?xml version="1.0" encoding="utf-8"?>
 <ds:datastoreItem xmlns:ds="http://schemas.openxmlformats.org/officeDocument/2006/customXml" ds:itemID="{B61EAB5F-88FC-4FAE-AE3C-037A3C365EB8}">
   <ds:schemaRefs>
     <ds:schemaRef ds:uri="http://schemas.microsoft.com/office/2006/metadata/contentType"/>
@@ -12279,12 +12289,4 @@
     <ds:schemaRef ds:uri="http://schemas.microsoft.com/internal/obd"/>
   </ds:schemaRefs>
 </ds:datastoreItem>
-</file>
-
-<file path=customXml/itemProps3.xml><?xml version="1.0" encoding="utf-8"?>
-<ds:datastoreItem xmlns:ds="http://schemas.openxmlformats.org/officeDocument/2006/customXml" ds:itemID="{4F44C90D-2A62-4985-9618-3460247437B1}">
-  <ds:schemaRefs>
-    <ds:schemaRef ds:uri="http://schemas.microsoft.com/sharepoint/v3/contenttype/forms"/>
-  </ds:schemaRefs>
-</ds:datastoreItem>
 </file>
--- a/appendix/LPT_Presentation.pptx
+++ b/appendix/LPT_Presentation.pptx
@@ -1196,7 +1196,7 @@
               <a:ea typeface="Tahoma" panose="020B0604030504040204" pitchFamily="34" charset="0"/>
               <a:cs typeface="Tahoma" panose="020B0604030504040204" pitchFamily="34" charset="0"/>
             </a:rPr>
-            <a:t>נוחות</a:t>
+            <a:t>תהליך שלם</a:t>
           </a:r>
         </a:p>
       </dgm:t>
@@ -1395,7 +1395,7 @@
       </dgm:spPr>
       <dgm:extLst>
         <a:ext uri="{E40237B7-FDA0-4F09-8148-C483321AD2D9}">
-          <dgm14:cNvPr xmlns:dgm14="http://schemas.microsoft.com/office/drawing/2010/diagram" id="0" name="" descr="Stopwatch"/>
+          <dgm14:cNvPr xmlns:dgm14="http://schemas.microsoft.com/office/drawing/2010/diagram" id="0" name="" descr="עיגול חץ עם מילוי מלא"/>
         </a:ext>
       </dgm:extLst>
     </dgm:pt>
@@ -1895,7 +1895,7 @@
               <a:ea typeface="Tahoma" panose="020B0604030504040204" pitchFamily="34" charset="0"/>
               <a:cs typeface="Tahoma" panose="020B0604030504040204" pitchFamily="34" charset="0"/>
             </a:rPr>
-            <a:t>נוחות</a:t>
+            <a:t>תהליך שלם</a:t>
           </a:r>
         </a:p>
       </dsp:txBody>
@@ -3249,7 +3249,7 @@
                 <a:ea typeface="Tahoma" panose="020B0604030504040204" pitchFamily="34" charset="0"/>
                 <a:cs typeface="Tahoma" panose="020B0604030504040204" pitchFamily="34" charset="0"/>
               </a:rPr>
-              <a:t>כ"ה/אדר/תשפ"א</a:t>
+              <a:t>כ"ו/אדר/תשפ"א</a:t>
             </a:fld>
             <a:endParaRPr lang="he-IL">
               <a:latin typeface="Tahoma" panose="020B0604030504040204" pitchFamily="34" charset="0"/>
@@ -3443,7 +3443,7 @@
             <a:fld id="{B04DC207-6933-4158-AE0F-AEC727BFF656}" type="datetime1">
               <a:rPr lang="he-IL" smtClean="0"/>
               <a:pPr/>
-              <a:t>כ"ה/אדר/תשפ"א</a:t>
+              <a:t>כ"ו/אדר/תשפ"א</a:t>
             </a:fld>
             <a:endParaRPr lang="he-IL" dirty="0"/>
           </a:p>
@@ -4151,7 +4151,7 @@
           <a:p>
             <a:fld id="{041B3943-1EAC-49AD-9FE1-0C76E29DC148}" type="datetime1">
               <a:rPr lang="he-IL" noProof="0" smtClean="0"/>
-              <a:t>כ"ה/אדר/תשפ"א</a:t>
+              <a:t>כ"ו/אדר/תשפ"א</a:t>
             </a:fld>
             <a:endParaRPr lang="he-IL" noProof="0"/>
           </a:p>
@@ -4476,7 +4476,7 @@
           <a:p>
             <a:fld id="{E990EB88-C329-494B-8B0B-4F4C516259E7}" type="datetime1">
               <a:rPr lang="he-IL" noProof="0" smtClean="0"/>
-              <a:t>כ"ה/אדר/תשפ"א</a:t>
+              <a:t>כ"ו/אדר/תשפ"א</a:t>
             </a:fld>
             <a:endParaRPr lang="he-IL" noProof="0"/>
           </a:p>
@@ -4726,7 +4726,7 @@
           <a:p>
             <a:fld id="{E990EB88-C329-494B-8B0B-4F4C516259E7}" type="datetime1">
               <a:rPr lang="he-IL" noProof="0" smtClean="0"/>
-              <a:t>כ"ה/אדר/תשפ"א</a:t>
+              <a:t>כ"ו/אדר/תשפ"א</a:t>
             </a:fld>
             <a:endParaRPr lang="he-IL" noProof="0"/>
           </a:p>
@@ -5067,7 +5067,7 @@
           <a:p>
             <a:fld id="{E990EB88-C329-494B-8B0B-4F4C516259E7}" type="datetime1">
               <a:rPr lang="he-IL" noProof="0" smtClean="0"/>
-              <a:t>כ"ה/אדר/תשפ"א</a:t>
+              <a:t>כ"ו/אדר/תשפ"א</a:t>
             </a:fld>
             <a:endParaRPr lang="he-IL" noProof="0"/>
           </a:p>
@@ -5416,7 +5416,7 @@
           <a:p>
             <a:fld id="{E990EB88-C329-494B-8B0B-4F4C516259E7}" type="datetime1">
               <a:rPr lang="he-IL" noProof="0" smtClean="0"/>
-              <a:t>כ"ה/אדר/תשפ"א</a:t>
+              <a:t>כ"ו/אדר/תשפ"א</a:t>
             </a:fld>
             <a:endParaRPr lang="he-IL" noProof="0"/>
           </a:p>
@@ -5792,7 +5792,7 @@
           <a:p>
             <a:fld id="{E990EB88-C329-494B-8B0B-4F4C516259E7}" type="datetime1">
               <a:rPr lang="he-IL" noProof="0" smtClean="0"/>
-              <a:t>כ"ה/אדר/תשפ"א</a:t>
+              <a:t>כ"ו/אדר/תשפ"א</a:t>
             </a:fld>
             <a:endParaRPr lang="he-IL" noProof="0"/>
           </a:p>
@@ -6264,7 +6264,7 @@
           <a:p>
             <a:fld id="{E990EB88-C329-494B-8B0B-4F4C516259E7}" type="datetime1">
               <a:rPr lang="he-IL" noProof="0" smtClean="0"/>
-              <a:t>כ"ה/אדר/תשפ"א</a:t>
+              <a:t>כ"ו/אדר/תשפ"א</a:t>
             </a:fld>
             <a:endParaRPr lang="he-IL" noProof="0"/>
           </a:p>
@@ -6472,7 +6472,7 @@
             <a:pPr rtl="1"/>
             <a:fld id="{C632068F-DDDE-46BE-AD92-706072D2095F}" type="datetime1">
               <a:rPr lang="he-IL" noProof="0" smtClean="0"/>
-              <a:t>כ"ה/אדר/תשפ"א</a:t>
+              <a:t>כ"ו/אדר/תשפ"א</a:t>
             </a:fld>
             <a:endParaRPr lang="he-IL" noProof="0"/>
           </a:p>
@@ -6686,7 +6686,7 @@
             <a:pPr rtl="1"/>
             <a:fld id="{F938A22A-D034-43EB-B8A3-EB25E2072578}" type="datetime1">
               <a:rPr lang="he-IL" noProof="0" smtClean="0"/>
-              <a:t>כ"ה/אדר/תשפ"א</a:t>
+              <a:t>כ"ו/אדר/תשפ"א</a:t>
             </a:fld>
             <a:endParaRPr lang="he-IL" noProof="0"/>
           </a:p>
@@ -7213,7 +7213,7 @@
           <a:p>
             <a:fld id="{F53E1731-6014-4518-91DF-DD2EA33DFCFE}" type="datetime1">
               <a:rPr lang="he-IL" noProof="0" smtClean="0"/>
-              <a:t>כ"ה/אדר/תשפ"א</a:t>
+              <a:t>כ"ו/אדר/תשפ"א</a:t>
             </a:fld>
             <a:endParaRPr lang="he-IL" noProof="0"/>
           </a:p>
@@ -7437,7 +7437,7 @@
             <a:pPr rtl="1"/>
             <a:fld id="{C6B02332-4215-4042-BCB8-40382AA98902}" type="datetime1">
               <a:rPr lang="he-IL" noProof="0" smtClean="0"/>
-              <a:t>כ"ה/אדר/תשפ"א</a:t>
+              <a:t>כ"ו/אדר/תשפ"א</a:t>
             </a:fld>
             <a:endParaRPr lang="he-IL" noProof="0"/>
           </a:p>
@@ -7687,7 +7687,7 @@
           <a:p>
             <a:fld id="{E9015FE9-9749-41BD-814D-7047DF7BC716}" type="datetime1">
               <a:rPr lang="he-IL" noProof="0" smtClean="0"/>
-              <a:t>כ"ה/אדר/תשפ"א</a:t>
+              <a:t>כ"ו/אדר/תשפ"א</a:t>
             </a:fld>
             <a:endParaRPr lang="he-IL" noProof="0"/>
           </a:p>
@@ -7987,7 +7987,7 @@
             <a:pPr rtl="1"/>
             <a:fld id="{0E14D94A-A912-459F-BAC7-1B46B2FDA989}" type="datetime1">
               <a:rPr lang="he-IL" noProof="0" smtClean="0"/>
-              <a:t>כ"ה/אדר/תשפ"א</a:t>
+              <a:t>כ"ו/אדר/תשפ"א</a:t>
             </a:fld>
             <a:endParaRPr lang="he-IL" noProof="0"/>
           </a:p>
@@ -8383,7 +8383,7 @@
           <a:p>
             <a:fld id="{E990EB88-C329-494B-8B0B-4F4C516259E7}" type="datetime1">
               <a:rPr lang="he-IL" noProof="0" smtClean="0"/>
-              <a:t>כ"ה/אדר/תשפ"א</a:t>
+              <a:t>כ"ו/אדר/תשפ"א</a:t>
             </a:fld>
             <a:endParaRPr lang="he-IL" noProof="0"/>
           </a:p>
@@ -8535,7 +8535,7 @@
             <a:pPr rtl="1"/>
             <a:fld id="{81E4626A-FCFF-4681-A933-9F4B0F4CF0BF}" type="datetime1">
               <a:rPr lang="he-IL" noProof="0" smtClean="0"/>
-              <a:t>כ"ה/אדר/תשפ"א</a:t>
+              <a:t>כ"ו/אדר/תשפ"א</a:t>
             </a:fld>
             <a:endParaRPr lang="he-IL" noProof="0"/>
           </a:p>
@@ -8664,7 +8664,7 @@
             <a:pPr rtl="1"/>
             <a:fld id="{2EAB6B8B-883E-424E-ADFA-26E073480727}" type="datetime1">
               <a:rPr lang="he-IL" noProof="0" smtClean="0"/>
-              <a:t>כ"ה/אדר/תשפ"א</a:t>
+              <a:t>כ"ו/אדר/תשפ"א</a:t>
             </a:fld>
             <a:endParaRPr lang="he-IL" noProof="0"/>
           </a:p>
@@ -8922,7 +8922,7 @@
             <a:pPr rtl="1"/>
             <a:fld id="{C9FEC221-D197-4F57-926A-4CDBB4BF5AD7}" type="datetime1">
               <a:rPr lang="he-IL" noProof="0" smtClean="0"/>
-              <a:t>כ"ה/אדר/תשפ"א</a:t>
+              <a:t>כ"ו/אדר/תשפ"א</a:t>
             </a:fld>
             <a:endParaRPr lang="he-IL" noProof="0"/>
           </a:p>
@@ -9240,7 +9240,7 @@
             <a:pPr rtl="1"/>
             <a:fld id="{D00436D3-41D8-4B1B-9EF5-7B0E471CF269}" type="datetime1">
               <a:rPr lang="he-IL" noProof="0" smtClean="0"/>
-              <a:t>כ"ה/אדר/תשפ"א</a:t>
+              <a:t>כ"ו/אדר/תשפ"א</a:t>
             </a:fld>
             <a:endParaRPr lang="he-IL" noProof="0"/>
           </a:p>
@@ -9593,7 +9593,7 @@
           <a:p>
             <a:fld id="{E990EB88-C329-494B-8B0B-4F4C516259E7}" type="datetime1">
               <a:rPr lang="he-IL" noProof="0" smtClean="0"/>
-              <a:t>כ"ה/אדר/תשפ"א</a:t>
+              <a:t>כ"ו/אדר/תשפ"א</a:t>
             </a:fld>
             <a:endParaRPr lang="he-IL" noProof="0"/>
           </a:p>
@@ -10371,7 +10371,7 @@
             <p:ph idx="1"/>
             <p:extLst>
               <p:ext uri="{D42A27DB-BD31-4B8C-83A1-F6EECF244321}">
-                <p14:modId xmlns:p14="http://schemas.microsoft.com/office/powerpoint/2010/main" val="2586749657"/>
+                <p14:modId xmlns:p14="http://schemas.microsoft.com/office/powerpoint/2010/main" val="4121614510"/>
               </p:ext>
             </p:extLst>
           </p:nvPr>
@@ -11067,7 +11067,7 @@
           <a:p>
             <a:r>
               <a:rPr lang="he-IL" dirty="0"/>
-              <a:t>סרטון</a:t>
+              <a:t>סרטונים</a:t>
             </a:r>
             <a:endParaRPr lang="en-US" dirty="0"/>
           </a:p>
@@ -11094,15 +11094,9 @@
           <a:bodyPr/>
           <a:lstStyle/>
           <a:p>
-            <a:pPr algn="ctr"/>
-            <a:r>
-              <a:rPr lang="he-IL" dirty="0"/>
-              <a:t>כאן יהיה קישור או </a:t>
-            </a:r>
-            <a:r>
-              <a:rPr lang="he-IL"/>
-              <a:t>הסרטונים עצמם</a:t>
-            </a:r>
+            <a:pPr marL="0" indent="0" algn="ctr">
+              <a:buNone/>
+            </a:pPr>
             <a:endParaRPr lang="en-US" dirty="0"/>
           </a:p>
         </p:txBody>
@@ -11195,7 +11189,7 @@
                 <a:latin typeface="Arial" panose="020B0604020202020204" pitchFamily="34" charset="0"/>
                 <a:cs typeface="Arial" panose="020B0604020202020204" pitchFamily="34" charset="0"/>
               </a:rPr>
-              <a:t>כיוון חדש</a:t>
+              <a:t>תוצר חדש</a:t>
             </a:r>
           </a:p>
           <a:p>
@@ -12036,14 +12030,6 @@
 </file>
 
 <file path=customXml/item2.xml><?xml version="1.0" encoding="utf-8"?>
-<p:properties xmlns:p="http://schemas.microsoft.com/office/2006/metadata/properties" xmlns:xsi="http://www.w3.org/2001/XMLSchema-instance" xmlns:pc="http://schemas.microsoft.com/office/infopath/2007/PartnerControls">
-  <documentManagement>
-    <MediaServiceKeyPoints xmlns="71af3243-3dd4-4a8d-8c0d-dd76da1f02a5" xsi:nil="true"/>
-  </documentManagement>
-</p:properties>
-</file>
-
-<file path=customXml/item3.xml><?xml version="1.0" encoding="utf-8"?>
 <ct:contentTypeSchema xmlns:ct="http://schemas.microsoft.com/office/2006/metadata/contentType" xmlns:ma="http://schemas.microsoft.com/office/2006/metadata/properties/metaAttributes" ct:_="" ma:_="" ma:contentTypeName="Document" ma:contentTypeID="0x01010079F111ED35F8CC479449609E8A0923A6" ma:contentTypeVersion="11" ma:contentTypeDescription="Create a new document." ma:contentTypeScope="" ma:versionID="9677210f24a1be23c92c90fd886aa0aa">
   <xsd:schema xmlns:xsd="http://www.w3.org/2001/XMLSchema" xmlns:xs="http://www.w3.org/2001/XMLSchema" xmlns:p="http://schemas.microsoft.com/office/2006/metadata/properties" xmlns:ns2="71af3243-3dd4-4a8d-8c0d-dd76da1f02a5" xmlns:ns3="16c05727-aa75-4e4a-9b5f-8a80a1165891" targetNamespace="http://schemas.microsoft.com/office/2006/metadata/properties" ma:root="true" ma:fieldsID="60e05723c5c1908df1a1a4ebf11d344e" ns2:_="" ns3:_="">
     <xsd:import namespace="71af3243-3dd4-4a8d-8c0d-dd76da1f02a5"/>
@@ -12254,6 +12240,14 @@
 </ct:contentTypeSchema>
 </file>
 
+<file path=customXml/item3.xml><?xml version="1.0" encoding="utf-8"?>
+<p:properties xmlns:p="http://schemas.microsoft.com/office/2006/metadata/properties" xmlns:xsi="http://www.w3.org/2001/XMLSchema-instance" xmlns:pc="http://schemas.microsoft.com/office/infopath/2007/PartnerControls">
+  <documentManagement>
+    <MediaServiceKeyPoints xmlns="71af3243-3dd4-4a8d-8c0d-dd76da1f02a5" xsi:nil="true"/>
+  </documentManagement>
+</p:properties>
+</file>
+
 <file path=customXml/itemProps1.xml><?xml version="1.0" encoding="utf-8"?>
 <ds:datastoreItem xmlns:ds="http://schemas.openxmlformats.org/officeDocument/2006/customXml" ds:itemID="{4F44C90D-2A62-4985-9618-3460247437B1}">
   <ds:schemaRefs>
@@ -12263,16 +12257,6 @@
 </file>
 
 <file path=customXml/itemProps2.xml><?xml version="1.0" encoding="utf-8"?>
-<ds:datastoreItem xmlns:ds="http://schemas.openxmlformats.org/officeDocument/2006/customXml" ds:itemID="{788A2F88-55C5-4ED1-9541-807C65424763}">
-  <ds:schemaRefs>
-    <ds:schemaRef ds:uri="http://schemas.microsoft.com/office/2006/metadata/properties"/>
-    <ds:schemaRef ds:uri="http://schemas.microsoft.com/office/infopath/2007/PartnerControls"/>
-    <ds:schemaRef ds:uri="71af3243-3dd4-4a8d-8c0d-dd76da1f02a5"/>
-  </ds:schemaRefs>
-</ds:datastoreItem>
-</file>
-
-<file path=customXml/itemProps3.xml><?xml version="1.0" encoding="utf-8"?>
 <ds:datastoreItem xmlns:ds="http://schemas.openxmlformats.org/officeDocument/2006/customXml" ds:itemID="{B61EAB5F-88FC-4FAE-AE3C-037A3C365EB8}">
   <ds:schemaRefs>
     <ds:schemaRef ds:uri="http://schemas.microsoft.com/office/2006/metadata/contentType"/>
@@ -12289,4 +12273,14 @@
     <ds:schemaRef ds:uri="http://schemas.microsoft.com/internal/obd"/>
   </ds:schemaRefs>
 </ds:datastoreItem>
+</file>
+
+<file path=customXml/itemProps3.xml><?xml version="1.0" encoding="utf-8"?>
+<ds:datastoreItem xmlns:ds="http://schemas.openxmlformats.org/officeDocument/2006/customXml" ds:itemID="{788A2F88-55C5-4ED1-9541-807C65424763}">
+  <ds:schemaRefs>
+    <ds:schemaRef ds:uri="http://schemas.microsoft.com/office/2006/metadata/properties"/>
+    <ds:schemaRef ds:uri="http://schemas.microsoft.com/office/infopath/2007/PartnerControls"/>
+    <ds:schemaRef ds:uri="71af3243-3dd4-4a8d-8c0d-dd76da1f02a5"/>
+  </ds:schemaRefs>
+</ds:datastoreItem>
 </file>
--- a/appendix/LPT_Presentation.pptx
+++ b/appendix/LPT_Presentation.pptx
@@ -5,10 +5,10 @@
     <p:sldMasterId id="2147483661" r:id="rId4"/>
   </p:sldMasterIdLst>
   <p:notesMasterIdLst>
-    <p:notesMasterId r:id="rId13"/>
+    <p:notesMasterId r:id="rId15"/>
   </p:notesMasterIdLst>
   <p:handoutMasterIdLst>
-    <p:handoutMasterId r:id="rId14"/>
+    <p:handoutMasterId r:id="rId16"/>
   </p:handoutMasterIdLst>
   <p:sldIdLst>
     <p:sldId id="284" r:id="rId5"/>
@@ -18,7 +18,9 @@
     <p:sldId id="278" r:id="rId9"/>
     <p:sldId id="281" r:id="rId10"/>
     <p:sldId id="283" r:id="rId11"/>
-    <p:sldId id="282" r:id="rId12"/>
+    <p:sldId id="285" r:id="rId12"/>
+    <p:sldId id="286" r:id="rId13"/>
+    <p:sldId id="282" r:id="rId14"/>
   </p:sldIdLst>
   <p:sldSz cx="12192000" cy="6858000"/>
   <p:notesSz cx="6858000" cy="9144000"/>
@@ -10294,6 +10296,127 @@
 </p:sld>
 </file>
 
+<file path=ppt/slides/slide10.xml><?xml version="1.0" encoding="utf-8"?>
+<p:sld xmlns:a="http://schemas.openxmlformats.org/drawingml/2006/main" xmlns:r="http://schemas.openxmlformats.org/officeDocument/2006/relationships" xmlns:p="http://schemas.openxmlformats.org/presentationml/2006/main">
+  <p:cSld>
+    <p:spTree>
+      <p:nvGrpSpPr>
+        <p:cNvPr id="1" name=""/>
+        <p:cNvGrpSpPr/>
+        <p:nvPr/>
+      </p:nvGrpSpPr>
+      <p:grpSpPr>
+        <a:xfrm>
+          <a:off x="0" y="0"/>
+          <a:ext cx="0" cy="0"/>
+          <a:chOff x="0" y="0"/>
+          <a:chExt cx="0" cy="0"/>
+        </a:xfrm>
+      </p:grpSpPr>
+      <p:sp>
+        <p:nvSpPr>
+          <p:cNvPr id="2" name="כותרת 1">
+            <a:extLst>
+              <a:ext uri="{FF2B5EF4-FFF2-40B4-BE49-F238E27FC236}">
+                <a16:creationId xmlns:a16="http://schemas.microsoft.com/office/drawing/2014/main" id="{46C53915-9EEC-43E4-8E8D-C6275ED2E0B4}"/>
+              </a:ext>
+            </a:extLst>
+          </p:cNvPr>
+          <p:cNvSpPr>
+            <a:spLocks noGrp="1"/>
+          </p:cNvSpPr>
+          <p:nvPr>
+            <p:ph type="title"/>
+          </p:nvPr>
+        </p:nvSpPr>
+        <p:spPr/>
+        <p:txBody>
+          <a:bodyPr/>
+          <a:lstStyle/>
+          <a:p>
+            <a:r>
+              <a:rPr lang="he-IL" dirty="0"/>
+              <a:t>סיכום</a:t>
+            </a:r>
+            <a:endParaRPr lang="en-US" dirty="0"/>
+          </a:p>
+        </p:txBody>
+      </p:sp>
+      <p:sp>
+        <p:nvSpPr>
+          <p:cNvPr id="3" name="מציין מיקום תוכן 2">
+            <a:extLst>
+              <a:ext uri="{FF2B5EF4-FFF2-40B4-BE49-F238E27FC236}">
+                <a16:creationId xmlns:a16="http://schemas.microsoft.com/office/drawing/2014/main" id="{CCD534DE-E80A-4D01-8F0A-BFC17333F5F0}"/>
+              </a:ext>
+            </a:extLst>
+          </p:cNvPr>
+          <p:cNvSpPr>
+            <a:spLocks noGrp="1"/>
+          </p:cNvSpPr>
+          <p:nvPr>
+            <p:ph idx="1"/>
+          </p:nvPr>
+        </p:nvSpPr>
+        <p:spPr/>
+        <p:txBody>
+          <a:bodyPr>
+            <a:normAutofit/>
+          </a:bodyPr>
+          <a:lstStyle/>
+          <a:p>
+            <a:pPr algn="r" rtl="1"/>
+            <a:r>
+              <a:rPr lang="he-IL" sz="2800" dirty="0">
+                <a:latin typeface="Arial" panose="020B0604020202020204" pitchFamily="34" charset="0"/>
+                <a:cs typeface="Arial" panose="020B0604020202020204" pitchFamily="34" charset="0"/>
+              </a:rPr>
+              <a:t>תוצר חדש</a:t>
+            </a:r>
+          </a:p>
+          <a:p>
+            <a:pPr algn="r" rtl="1"/>
+            <a:r>
+              <a:rPr lang="he-IL" sz="2800">
+                <a:latin typeface="Arial" panose="020B0604020202020204" pitchFamily="34" charset="0"/>
+                <a:cs typeface="Arial" panose="020B0604020202020204" pitchFamily="34" charset="0"/>
+              </a:rPr>
+              <a:t>המטרות הושגו</a:t>
+            </a:r>
+            <a:endParaRPr lang="he-IL" sz="2800" dirty="0">
+              <a:latin typeface="Arial" panose="020B0604020202020204" pitchFamily="34" charset="0"/>
+              <a:cs typeface="Arial" panose="020B0604020202020204" pitchFamily="34" charset="0"/>
+            </a:endParaRPr>
+          </a:p>
+          <a:p>
+            <a:pPr algn="r" rtl="1"/>
+            <a:r>
+              <a:rPr lang="en-US" sz="2800" dirty="0">
+                <a:latin typeface="Arial" panose="020B0604020202020204" pitchFamily="34" charset="0"/>
+                <a:cs typeface="Arial" panose="020B0604020202020204" pitchFamily="34" charset="0"/>
+              </a:rPr>
+              <a:t>Open source</a:t>
+            </a:r>
+            <a:endParaRPr lang="he-IL" sz="2800" dirty="0">
+              <a:latin typeface="Arial" panose="020B0604020202020204" pitchFamily="34" charset="0"/>
+              <a:cs typeface="Arial" panose="020B0604020202020204" pitchFamily="34" charset="0"/>
+            </a:endParaRPr>
+          </a:p>
+        </p:txBody>
+      </p:sp>
+    </p:spTree>
+    <p:extLst>
+      <p:ext uri="{BB962C8B-B14F-4D97-AF65-F5344CB8AC3E}">
+        <p14:creationId xmlns:p14="http://schemas.microsoft.com/office/powerpoint/2010/main" val="387361901"/>
+      </p:ext>
+    </p:extLst>
+  </p:cSld>
+  <p:clrMapOvr>
+    <a:masterClrMapping/>
+  </p:clrMapOvr>
+</p:sld>
+</file>
+
 <file path=ppt/slides/slide2.xml><?xml version="1.0" encoding="utf-8"?>
 <p:sld xmlns:a="http://schemas.openxmlformats.org/drawingml/2006/main" xmlns:r="http://schemas.openxmlformats.org/officeDocument/2006/relationships" xmlns:p="http://schemas.openxmlformats.org/presentationml/2006/main">
   <p:cSld>
@@ -10469,6 +10592,12 @@
             <a:pPr marL="0" indent="0">
               <a:buNone/>
             </a:pPr>
+            <a:endParaRPr lang="he-IL" dirty="0"/>
+          </a:p>
+          <a:p>
+            <a:pPr marL="0" indent="0">
+              <a:buNone/>
+            </a:pPr>
             <a:endParaRPr lang="en-US" dirty="0"/>
           </a:p>
           <a:p>
@@ -10493,8 +10622,8 @@
         </p:nvSpPr>
         <p:spPr>
           <a:xfrm>
-            <a:off x="1866901" y="2556930"/>
-            <a:ext cx="3097674" cy="2110321"/>
+            <a:off x="1866898" y="4542607"/>
+            <a:ext cx="3097674" cy="1015663"/>
           </a:xfrm>
           <a:prstGeom prst="ellipse">
             <a:avLst/>
@@ -10531,10 +10660,6 @@
           <a:lstStyle/>
           <a:p>
             <a:pPr algn="ctr"/>
-            <a:endParaRPr lang="en-US" sz="2800" dirty="0"/>
-          </a:p>
-          <a:p>
-            <a:pPr algn="ctr"/>
             <a:r>
               <a:rPr lang="en-US" sz="3200" dirty="0">
                 <a:solidFill>
@@ -10584,8 +10709,8 @@
         </p:nvSpPr>
         <p:spPr>
           <a:xfrm>
-            <a:off x="7227426" y="2556933"/>
-            <a:ext cx="3097674" cy="2110318"/>
+            <a:off x="7227426" y="4542608"/>
+            <a:ext cx="3097674" cy="1015663"/>
           </a:xfrm>
           <a:prstGeom prst="ellipse">
             <a:avLst/>
@@ -10622,10 +10747,6 @@
           <a:lstStyle/>
           <a:p>
             <a:pPr algn="ctr"/>
-            <a:endParaRPr lang="en-US" sz="2800" dirty="0"/>
-          </a:p>
-          <a:p>
-            <a:pPr algn="ctr"/>
             <a:r>
               <a:rPr lang="en-US" sz="3200" dirty="0">
                 <a:solidFill>
@@ -10678,7 +10799,7 @@
         </p:nvSpPr>
         <p:spPr>
           <a:xfrm>
-            <a:off x="5410762" y="3104258"/>
+            <a:off x="5410762" y="4513214"/>
             <a:ext cx="1370474" cy="1015663"/>
           </a:xfrm>
           <a:prstGeom prst="rect">
@@ -10698,8 +10819,294 @@
                 <a:latin typeface="Arial" panose="020B0604020202020204" pitchFamily="34" charset="0"/>
                 <a:cs typeface="Arial" panose="020B0604020202020204" pitchFamily="34" charset="0"/>
               </a:rPr>
-              <a:t>VS</a:t>
-            </a:r>
+              <a:t>&amp;</a:t>
+            </a:r>
+          </a:p>
+        </p:txBody>
+      </p:sp>
+      <p:sp>
+        <p:nvSpPr>
+          <p:cNvPr id="7" name="מציין מיקום תוכן 2">
+            <a:extLst>
+              <a:ext uri="{FF2B5EF4-FFF2-40B4-BE49-F238E27FC236}">
+                <a16:creationId xmlns:a16="http://schemas.microsoft.com/office/drawing/2014/main" id="{BE92235B-345B-4D62-B7DA-4B0EEBE7D6FE}"/>
+              </a:ext>
+            </a:extLst>
+          </p:cNvPr>
+          <p:cNvSpPr txBox="1">
+            <a:spLocks/>
+          </p:cNvSpPr>
+          <p:nvPr/>
+        </p:nvSpPr>
+        <p:spPr>
+          <a:xfrm>
+            <a:off x="1447801" y="2709332"/>
+            <a:ext cx="9601196" cy="3318936"/>
+          </a:xfrm>
+          <a:prstGeom prst="rect">
+            <a:avLst/>
+          </a:prstGeom>
+        </p:spPr>
+        <p:txBody>
+          <a:bodyPr vert="horz" lIns="91440" tIns="45720" rIns="91440" bIns="45720" rtlCol="0" anchor="t">
+            <a:normAutofit/>
+          </a:bodyPr>
+          <a:lstStyle>
+            <a:lvl1pPr marL="285750" indent="-285750" algn="l" defTabSz="457200" rtl="0" eaLnBrk="1" latinLnBrk="0" hangingPunct="1">
+              <a:spcBef>
+                <a:spcPct val="20000"/>
+              </a:spcBef>
+              <a:spcAft>
+                <a:spcPts val="600"/>
+              </a:spcAft>
+              <a:buClr>
+                <a:schemeClr val="accent1"/>
+              </a:buClr>
+              <a:buSzPct val="115000"/>
+              <a:buFont typeface="Arial"/>
+              <a:buChar char="•"/>
+              <a:defRPr sz="2400" kern="1200" cap="none">
+                <a:solidFill>
+                  <a:schemeClr val="tx1">
+                    <a:lumMod val="85000"/>
+                    <a:lumOff val="15000"/>
+                  </a:schemeClr>
+                </a:solidFill>
+                <a:effectLst/>
+                <a:latin typeface="+mn-lt"/>
+                <a:ea typeface="+mn-ea"/>
+                <a:cs typeface="+mn-cs"/>
+              </a:defRPr>
+            </a:lvl1pPr>
+            <a:lvl2pPr marL="742950" indent="-285750" algn="l" defTabSz="457200" rtl="0" eaLnBrk="1" latinLnBrk="0" hangingPunct="1">
+              <a:spcBef>
+                <a:spcPct val="20000"/>
+              </a:spcBef>
+              <a:spcAft>
+                <a:spcPts val="600"/>
+              </a:spcAft>
+              <a:buClr>
+                <a:schemeClr val="accent1"/>
+              </a:buClr>
+              <a:buSzPct val="115000"/>
+              <a:buFont typeface="Arial"/>
+              <a:buChar char="•"/>
+              <a:defRPr sz="2000" kern="1200" cap="none">
+                <a:solidFill>
+                  <a:schemeClr val="tx1">
+                    <a:lumMod val="85000"/>
+                    <a:lumOff val="15000"/>
+                  </a:schemeClr>
+                </a:solidFill>
+                <a:effectLst/>
+                <a:latin typeface="+mn-lt"/>
+                <a:ea typeface="+mn-ea"/>
+                <a:cs typeface="+mn-cs"/>
+              </a:defRPr>
+            </a:lvl2pPr>
+            <a:lvl3pPr marL="1200150" indent="-285750" algn="l" defTabSz="457200" rtl="0" eaLnBrk="1" latinLnBrk="0" hangingPunct="1">
+              <a:spcBef>
+                <a:spcPct val="20000"/>
+              </a:spcBef>
+              <a:spcAft>
+                <a:spcPts val="600"/>
+              </a:spcAft>
+              <a:buClr>
+                <a:schemeClr val="accent1"/>
+              </a:buClr>
+              <a:buSzPct val="115000"/>
+              <a:buFont typeface="Arial"/>
+              <a:buChar char="•"/>
+              <a:defRPr sz="1800" kern="1200" cap="none">
+                <a:solidFill>
+                  <a:schemeClr val="tx1">
+                    <a:lumMod val="85000"/>
+                    <a:lumOff val="15000"/>
+                  </a:schemeClr>
+                </a:solidFill>
+                <a:effectLst/>
+                <a:latin typeface="+mn-lt"/>
+                <a:ea typeface="+mn-ea"/>
+                <a:cs typeface="+mn-cs"/>
+              </a:defRPr>
+            </a:lvl3pPr>
+            <a:lvl4pPr marL="1543050" indent="-171450" algn="l" defTabSz="457200" rtl="0" eaLnBrk="1" latinLnBrk="0" hangingPunct="1">
+              <a:spcBef>
+                <a:spcPct val="20000"/>
+              </a:spcBef>
+              <a:spcAft>
+                <a:spcPts val="600"/>
+              </a:spcAft>
+              <a:buClr>
+                <a:schemeClr val="accent1"/>
+              </a:buClr>
+              <a:buSzPct val="115000"/>
+              <a:buFont typeface="Arial"/>
+              <a:buChar char="•"/>
+              <a:defRPr sz="1600" kern="1200" cap="none">
+                <a:solidFill>
+                  <a:schemeClr val="tx1">
+                    <a:lumMod val="85000"/>
+                    <a:lumOff val="15000"/>
+                  </a:schemeClr>
+                </a:solidFill>
+                <a:effectLst/>
+                <a:latin typeface="+mn-lt"/>
+                <a:ea typeface="+mn-ea"/>
+                <a:cs typeface="+mn-cs"/>
+              </a:defRPr>
+            </a:lvl4pPr>
+            <a:lvl5pPr marL="2000250" indent="-171450" algn="l" defTabSz="457200" rtl="0" eaLnBrk="1" latinLnBrk="0" hangingPunct="1">
+              <a:spcBef>
+                <a:spcPct val="20000"/>
+              </a:spcBef>
+              <a:spcAft>
+                <a:spcPts val="600"/>
+              </a:spcAft>
+              <a:buClr>
+                <a:schemeClr val="accent1"/>
+              </a:buClr>
+              <a:buSzPct val="115000"/>
+              <a:buFont typeface="Arial"/>
+              <a:buChar char="•"/>
+              <a:defRPr sz="1400" kern="1200" cap="none">
+                <a:solidFill>
+                  <a:schemeClr val="tx1">
+                    <a:lumMod val="85000"/>
+                    <a:lumOff val="15000"/>
+                  </a:schemeClr>
+                </a:solidFill>
+                <a:effectLst/>
+                <a:latin typeface="+mn-lt"/>
+                <a:ea typeface="+mn-ea"/>
+                <a:cs typeface="+mn-cs"/>
+              </a:defRPr>
+            </a:lvl5pPr>
+            <a:lvl6pPr marL="2514600" indent="-228600" algn="l" defTabSz="457200" rtl="0" eaLnBrk="1" latinLnBrk="0" hangingPunct="1">
+              <a:spcBef>
+                <a:spcPct val="20000"/>
+              </a:spcBef>
+              <a:spcAft>
+                <a:spcPts val="600"/>
+              </a:spcAft>
+              <a:buClr>
+                <a:schemeClr val="accent1"/>
+              </a:buClr>
+              <a:buSzPct val="115000"/>
+              <a:buFont typeface="Arial"/>
+              <a:buChar char="•"/>
+              <a:defRPr sz="1400" kern="1200" cap="none">
+                <a:solidFill>
+                  <a:schemeClr val="tx1">
+                    <a:lumMod val="85000"/>
+                    <a:lumOff val="15000"/>
+                  </a:schemeClr>
+                </a:solidFill>
+                <a:effectLst/>
+                <a:latin typeface="+mn-lt"/>
+                <a:ea typeface="+mn-ea"/>
+                <a:cs typeface="+mn-cs"/>
+              </a:defRPr>
+            </a:lvl6pPr>
+            <a:lvl7pPr marL="2971800" indent="-228600" algn="l" defTabSz="457200" rtl="0" eaLnBrk="1" latinLnBrk="0" hangingPunct="1">
+              <a:spcBef>
+                <a:spcPct val="20000"/>
+              </a:spcBef>
+              <a:spcAft>
+                <a:spcPts val="600"/>
+              </a:spcAft>
+              <a:buClr>
+                <a:schemeClr val="accent1"/>
+              </a:buClr>
+              <a:buSzPct val="115000"/>
+              <a:buFont typeface="Arial"/>
+              <a:buChar char="•"/>
+              <a:defRPr sz="1400" kern="1200" cap="none">
+                <a:solidFill>
+                  <a:schemeClr val="tx1">
+                    <a:lumMod val="85000"/>
+                    <a:lumOff val="15000"/>
+                  </a:schemeClr>
+                </a:solidFill>
+                <a:effectLst/>
+                <a:latin typeface="+mn-lt"/>
+                <a:ea typeface="+mn-ea"/>
+                <a:cs typeface="+mn-cs"/>
+              </a:defRPr>
+            </a:lvl7pPr>
+            <a:lvl8pPr marL="3429000" indent="-228600" algn="l" defTabSz="457200" rtl="0" eaLnBrk="1" latinLnBrk="0" hangingPunct="1">
+              <a:spcBef>
+                <a:spcPct val="20000"/>
+              </a:spcBef>
+              <a:spcAft>
+                <a:spcPts val="600"/>
+              </a:spcAft>
+              <a:buClr>
+                <a:schemeClr val="accent1"/>
+              </a:buClr>
+              <a:buSzPct val="115000"/>
+              <a:buFont typeface="Arial"/>
+              <a:buChar char="•"/>
+              <a:defRPr sz="1400" kern="1200" cap="none">
+                <a:solidFill>
+                  <a:schemeClr val="tx1">
+                    <a:lumMod val="85000"/>
+                    <a:lumOff val="15000"/>
+                  </a:schemeClr>
+                </a:solidFill>
+                <a:effectLst/>
+                <a:latin typeface="+mn-lt"/>
+                <a:ea typeface="+mn-ea"/>
+                <a:cs typeface="+mn-cs"/>
+              </a:defRPr>
+            </a:lvl8pPr>
+            <a:lvl9pPr marL="3886200" indent="-228600" algn="l" defTabSz="457200" rtl="0" eaLnBrk="1" latinLnBrk="0" hangingPunct="1">
+              <a:spcBef>
+                <a:spcPct val="20000"/>
+              </a:spcBef>
+              <a:spcAft>
+                <a:spcPts val="600"/>
+              </a:spcAft>
+              <a:buClr>
+                <a:schemeClr val="accent1"/>
+              </a:buClr>
+              <a:buSzPct val="115000"/>
+              <a:buFont typeface="Arial"/>
+              <a:buChar char="•"/>
+              <a:defRPr sz="1400" kern="1200" cap="none">
+                <a:solidFill>
+                  <a:schemeClr val="tx1">
+                    <a:lumMod val="85000"/>
+                    <a:lumOff val="15000"/>
+                  </a:schemeClr>
+                </a:solidFill>
+                <a:effectLst/>
+                <a:latin typeface="+mn-lt"/>
+                <a:ea typeface="+mn-ea"/>
+                <a:cs typeface="+mn-cs"/>
+              </a:defRPr>
+            </a:lvl9pPr>
+          </a:lstStyle>
+          <a:p>
+            <a:pPr algn="r" rtl="1"/>
+            <a:r>
+              <a:rPr lang="he-IL" sz="2800" dirty="0">
+                <a:cs typeface="+mj-cs"/>
+              </a:rPr>
+              <a:t>פרויקטים קודמים: טבלת אמת, צורות נורמליות, גרירה סמנטית, מודלים של פסוק או קבוצה.</a:t>
+            </a:r>
+          </a:p>
+          <a:p>
+            <a:pPr algn="r" rtl="1"/>
+            <a:r>
+              <a:rPr lang="he-IL" sz="2800" b="1" dirty="0">
+                <a:cs typeface="+mj-cs"/>
+              </a:rPr>
+              <a:t>התוכנה שלנו: כתיבה ובדיקת הוכחה.</a:t>
+            </a:r>
+            <a:endParaRPr lang="en-US" sz="2800" b="1" dirty="0">
+              <a:cs typeface="+mj-cs"/>
+            </a:endParaRPr>
           </a:p>
         </p:txBody>
       </p:sp>
@@ -10756,7 +11163,7 @@
           <a:p>
             <a:r>
               <a:rPr lang="he-IL" dirty="0"/>
-              <a:t>מהו כלל הסקה</a:t>
+              <a:t>מהו כלל היסק</a:t>
             </a:r>
             <a:endParaRPr lang="en-US" dirty="0"/>
           </a:p>
@@ -11136,7 +11543,7 @@
           <p:cNvPr id="2" name="כותרת 1">
             <a:extLst>
               <a:ext uri="{FF2B5EF4-FFF2-40B4-BE49-F238E27FC236}">
-                <a16:creationId xmlns:a16="http://schemas.microsoft.com/office/drawing/2014/main" id="{46C53915-9EEC-43E4-8E8D-C6275ED2E0B4}"/>
+                <a16:creationId xmlns:a16="http://schemas.microsoft.com/office/drawing/2014/main" id="{D87295FC-4638-4AC8-998F-D67A5EA7ED05}"/>
               </a:ext>
             </a:extLst>
           </p:cNvPr>
@@ -11154,7 +11561,7 @@
           <a:p>
             <a:r>
               <a:rPr lang="he-IL" dirty="0"/>
-              <a:t>סיכום</a:t>
+              <a:t>מהן היכולות?</a:t>
             </a:r>
             <a:endParaRPr lang="en-US" dirty="0"/>
           </a:p>
@@ -11165,7 +11572,7 @@
           <p:cNvPr id="3" name="מציין מיקום תוכן 2">
             <a:extLst>
               <a:ext uri="{FF2B5EF4-FFF2-40B4-BE49-F238E27FC236}">
-                <a16:creationId xmlns:a16="http://schemas.microsoft.com/office/drawing/2014/main" id="{CCD534DE-E80A-4D01-8F0A-BFC17333F5F0}"/>
+                <a16:creationId xmlns:a16="http://schemas.microsoft.com/office/drawing/2014/main" id="{787D20E8-B1F5-4992-8016-93218E29D98E}"/>
               </a:ext>
             </a:extLst>
           </p:cNvPr>
@@ -11178,50 +11585,206 @@
         </p:nvSpPr>
         <p:spPr/>
         <p:txBody>
-          <a:bodyPr>
-            <a:normAutofit/>
-          </a:bodyPr>
+          <a:bodyPr numCol="1"/>
           <a:lstStyle/>
           <a:p>
             <a:pPr algn="r" rtl="1"/>
             <a:r>
-              <a:rPr lang="he-IL" sz="2800" dirty="0">
+              <a:rPr lang="he-IL" dirty="0">
+                <a:cs typeface="+mj-cs"/>
+              </a:rPr>
+              <a:t>בניית הוכחה</a:t>
+            </a:r>
+          </a:p>
+          <a:p>
+            <a:pPr algn="r" rtl="1"/>
+            <a:r>
+              <a:rPr lang="he-IL" dirty="0">
+                <a:cs typeface="+mj-cs"/>
+              </a:rPr>
+              <a:t>בדיקת הוכחה</a:t>
+            </a:r>
+          </a:p>
+          <a:p>
+            <a:pPr algn="r" rtl="1"/>
+            <a:r>
+              <a:rPr lang="he-IL" dirty="0">
+                <a:cs typeface="+mj-cs"/>
+              </a:rPr>
+              <a:t>שימוש בהוכחות קודמות</a:t>
+            </a:r>
+          </a:p>
+          <a:p>
+            <a:pPr algn="r" rtl="1"/>
+            <a:r>
+              <a:rPr lang="he-IL" dirty="0">
+                <a:cs typeface="+mj-cs"/>
+              </a:rPr>
+              <a:t>שמירת/טעינת הוכחה והתממשקות עם </a:t>
+            </a:r>
+            <a:r>
+              <a:rPr lang="en-US" dirty="0">
                 <a:latin typeface="Arial" panose="020B0604020202020204" pitchFamily="34" charset="0"/>
                 <a:cs typeface="Arial" panose="020B0604020202020204" pitchFamily="34" charset="0"/>
               </a:rPr>
-              <a:t>תוצר חדש</a:t>
-            </a:r>
+              <a:t>Word</a:t>
+            </a:r>
+            <a:endParaRPr lang="he-IL" dirty="0">
+              <a:latin typeface="Arial" panose="020B0604020202020204" pitchFamily="34" charset="0"/>
+              <a:cs typeface="Arial" panose="020B0604020202020204" pitchFamily="34" charset="0"/>
+            </a:endParaRPr>
           </a:p>
           <a:p>
             <a:pPr algn="r" rtl="1"/>
             <a:r>
-              <a:rPr lang="he-IL" sz="2800" dirty="0">
+              <a:rPr lang="en-US" dirty="0">
                 <a:latin typeface="Arial" panose="020B0604020202020204" pitchFamily="34" charset="0"/>
                 <a:cs typeface="Arial" panose="020B0604020202020204" pitchFamily="34" charset="0"/>
               </a:rPr>
-              <a:t>ממשק עבודה נוח</a:t>
-            </a:r>
+              <a:t>Text Editor</a:t>
+            </a:r>
+            <a:endParaRPr lang="he-IL" dirty="0">
+              <a:latin typeface="Arial" panose="020B0604020202020204" pitchFamily="34" charset="0"/>
+              <a:cs typeface="Arial" panose="020B0604020202020204" pitchFamily="34" charset="0"/>
+            </a:endParaRPr>
           </a:p>
           <a:p>
             <a:pPr algn="r" rtl="1"/>
             <a:r>
-              <a:rPr lang="en-US" sz="2800" dirty="0">
+              <a:rPr lang="he-IL" dirty="0">
                 <a:latin typeface="Arial" panose="020B0604020202020204" pitchFamily="34" charset="0"/>
                 <a:cs typeface="Arial" panose="020B0604020202020204" pitchFamily="34" charset="0"/>
               </a:rPr>
-              <a:t>Open source</a:t>
-            </a:r>
-            <a:endParaRPr lang="he-IL" sz="2800" dirty="0">
-              <a:latin typeface="Arial" panose="020B0604020202020204" pitchFamily="34" charset="0"/>
-              <a:cs typeface="Arial" panose="020B0604020202020204" pitchFamily="34" charset="0"/>
-            </a:endParaRPr>
+              <a:t>ממשק נוח, דינאמי ואינטואיטיבי למשתמש</a:t>
+            </a:r>
           </a:p>
         </p:txBody>
       </p:sp>
     </p:spTree>
     <p:extLst>
       <p:ext uri="{BB962C8B-B14F-4D97-AF65-F5344CB8AC3E}">
-        <p14:creationId xmlns:p14="http://schemas.microsoft.com/office/powerpoint/2010/main" val="387361901"/>
+        <p14:creationId xmlns:p14="http://schemas.microsoft.com/office/powerpoint/2010/main" val="3212740073"/>
+      </p:ext>
+    </p:extLst>
+  </p:cSld>
+  <p:clrMapOvr>
+    <a:masterClrMapping/>
+  </p:clrMapOvr>
+</p:sld>
+</file>
+
+<file path=ppt/slides/slide9.xml><?xml version="1.0" encoding="utf-8"?>
+<p:sld xmlns:a="http://schemas.openxmlformats.org/drawingml/2006/main" xmlns:r="http://schemas.openxmlformats.org/officeDocument/2006/relationships" xmlns:p="http://schemas.openxmlformats.org/presentationml/2006/main">
+  <p:cSld>
+    <p:spTree>
+      <p:nvGrpSpPr>
+        <p:cNvPr id="1" name=""/>
+        <p:cNvGrpSpPr/>
+        <p:nvPr/>
+      </p:nvGrpSpPr>
+      <p:grpSpPr>
+        <a:xfrm>
+          <a:off x="0" y="0"/>
+          <a:ext cx="0" cy="0"/>
+          <a:chOff x="0" y="0"/>
+          <a:chExt cx="0" cy="0"/>
+        </a:xfrm>
+      </p:grpSpPr>
+      <p:sp>
+        <p:nvSpPr>
+          <p:cNvPr id="2" name="כותרת 1">
+            <a:extLst>
+              <a:ext uri="{FF2B5EF4-FFF2-40B4-BE49-F238E27FC236}">
+                <a16:creationId xmlns:a16="http://schemas.microsoft.com/office/drawing/2014/main" id="{DF92BCA8-7A3D-4FFB-A643-826A2DA3C14C}"/>
+              </a:ext>
+            </a:extLst>
+          </p:cNvPr>
+          <p:cNvSpPr>
+            <a:spLocks noGrp="1"/>
+          </p:cNvSpPr>
+          <p:nvPr>
+            <p:ph type="title"/>
+          </p:nvPr>
+        </p:nvSpPr>
+        <p:spPr/>
+        <p:txBody>
+          <a:bodyPr/>
+          <a:lstStyle/>
+          <a:p>
+            <a:r>
+              <a:rPr lang="he-IL" dirty="0"/>
+              <a:t>אתגרים לאורך התהליך</a:t>
+            </a:r>
+            <a:endParaRPr lang="en-US" dirty="0"/>
+          </a:p>
+        </p:txBody>
+      </p:sp>
+      <p:sp>
+        <p:nvSpPr>
+          <p:cNvPr id="3" name="מציין מיקום תוכן 2">
+            <a:extLst>
+              <a:ext uri="{FF2B5EF4-FFF2-40B4-BE49-F238E27FC236}">
+                <a16:creationId xmlns:a16="http://schemas.microsoft.com/office/drawing/2014/main" id="{F05CF72F-D668-48B7-89EF-1FDAAC95E132}"/>
+              </a:ext>
+            </a:extLst>
+          </p:cNvPr>
+          <p:cNvSpPr>
+            <a:spLocks noGrp="1"/>
+          </p:cNvSpPr>
+          <p:nvPr>
+            <p:ph idx="1"/>
+          </p:nvPr>
+        </p:nvSpPr>
+        <p:spPr/>
+        <p:txBody>
+          <a:bodyPr/>
+          <a:lstStyle/>
+          <a:p>
+            <a:pPr algn="r" rtl="1"/>
+            <a:r>
+              <a:rPr lang="he-IL" dirty="0">
+                <a:latin typeface="Arial" panose="020B0604020202020204" pitchFamily="34" charset="0"/>
+                <a:cs typeface="Arial" panose="020B0604020202020204" pitchFamily="34" charset="0"/>
+              </a:rPr>
+              <a:t>מימושי החוקים – הבנה כל אחד מהחוקים בצורה אלגוריתמית לצרוך מימושם</a:t>
+            </a:r>
+          </a:p>
+          <a:p>
+            <a:pPr algn="r" rtl="1"/>
+            <a:r>
+              <a:rPr lang="he-IL" dirty="0">
+                <a:latin typeface="Arial" panose="020B0604020202020204" pitchFamily="34" charset="0"/>
+                <a:cs typeface="Arial" panose="020B0604020202020204" pitchFamily="34" charset="0"/>
+              </a:rPr>
+              <a:t>בדיקות קלט המשתמש</a:t>
+            </a:r>
+          </a:p>
+          <a:p>
+            <a:pPr algn="r" rtl="1"/>
+            <a:r>
+              <a:rPr lang="en-US" dirty="0">
+                <a:latin typeface="Arial" panose="020B0604020202020204" pitchFamily="34" charset="0"/>
+                <a:cs typeface="Arial" panose="020B0604020202020204" pitchFamily="34" charset="0"/>
+              </a:rPr>
+              <a:t>Dynamic graphic user interface</a:t>
+            </a:r>
+          </a:p>
+          <a:p>
+            <a:pPr algn="r" rtl="1"/>
+            <a:r>
+              <a:rPr lang="he-IL" dirty="0">
+                <a:latin typeface="Arial" panose="020B0604020202020204" pitchFamily="34" charset="0"/>
+                <a:cs typeface="Arial" panose="020B0604020202020204" pitchFamily="34" charset="0"/>
+              </a:rPr>
+              <a:t>שימוש בהוכחות קודמות</a:t>
+            </a:r>
+          </a:p>
+        </p:txBody>
+      </p:sp>
+    </p:spTree>
+    <p:extLst>
+      <p:ext uri="{BB962C8B-B14F-4D97-AF65-F5344CB8AC3E}">
+        <p14:creationId xmlns:p14="http://schemas.microsoft.com/office/powerpoint/2010/main" val="2262355415"/>
       </p:ext>
     </p:extLst>
   </p:cSld>
